--- a/middle/G080A002.pptx
+++ b/middle/G080A002.pptx
@@ -242,7 +242,7 @@
           <a:p>
             <a:fld id="{BFB8BAC4-77AF-455C-81F0-4D285D4DD833}" type="datetimeFigureOut">
               <a:rPr lang="zh-TW" altLang="en-US" smtClean="0"/>
-              <a:t>2020/4/29</a:t>
+              <a:t>2020/4/30</a:t>
             </a:fld>
             <a:endParaRPr lang="zh-TW" altLang="en-US"/>
           </a:p>
@@ -916,7 +916,7 @@
           <a:p>
             <a:fld id="{F8F4F267-2FFE-4D02-965D-5969A9F1AF11}" type="datetime1">
               <a:rPr lang="zh-TW" altLang="en-US" smtClean="0"/>
-              <a:t>2020/4/29</a:t>
+              <a:t>2020/4/30</a:t>
             </a:fld>
             <a:endParaRPr lang="zh-TW" altLang="en-US"/>
           </a:p>
@@ -1100,7 +1100,7 @@
           <a:p>
             <a:fld id="{E61F506D-1239-4E07-A745-FCDBCC864C3D}" type="datetime1">
               <a:rPr lang="zh-TW" altLang="en-US" smtClean="0"/>
-              <a:t>2020/4/29</a:t>
+              <a:t>2020/4/30</a:t>
             </a:fld>
             <a:endParaRPr lang="zh-TW" altLang="en-US"/>
           </a:p>
@@ -1284,7 +1284,7 @@
           <a:p>
             <a:fld id="{328BC2B6-FAB4-4271-A1CB-D57EB7363CD8}" type="datetime1">
               <a:rPr lang="zh-TW" altLang="en-US" smtClean="0"/>
-              <a:t>2020/4/29</a:t>
+              <a:t>2020/4/30</a:t>
             </a:fld>
             <a:endParaRPr lang="zh-TW" altLang="en-US"/>
           </a:p>
@@ -1454,7 +1454,7 @@
           <a:p>
             <a:fld id="{A59F13F5-AF82-4244-8112-421C11DA4351}" type="datetime1">
               <a:rPr lang="zh-TW" altLang="en-US" smtClean="0"/>
-              <a:t>2020/4/29</a:t>
+              <a:t>2020/4/30</a:t>
             </a:fld>
             <a:endParaRPr lang="zh-TW" altLang="en-US"/>
           </a:p>
@@ -1786,7 +1786,7 @@
           <a:p>
             <a:fld id="{E4B98AA5-6BAD-42C6-9E7D-5EFE0FE2B1F3}" type="datetime1">
               <a:rPr lang="zh-TW" altLang="en-US" smtClean="0"/>
-              <a:t>2020/4/29</a:t>
+              <a:t>2020/4/30</a:t>
             </a:fld>
             <a:endParaRPr lang="zh-TW" altLang="en-US"/>
           </a:p>
@@ -2184,7 +2184,7 @@
           <a:p>
             <a:fld id="{555ECC1D-40FB-4407-95E6-84DDFF13D375}" type="datetime1">
               <a:rPr lang="zh-TW" altLang="en-US" smtClean="0"/>
-              <a:t>2020/4/29</a:t>
+              <a:t>2020/4/30</a:t>
             </a:fld>
             <a:endParaRPr lang="zh-TW" altLang="en-US"/>
           </a:p>
@@ -2618,7 +2618,7 @@
           <a:p>
             <a:fld id="{7174F158-48A2-4349-9DE2-7F31A09D61DA}" type="datetime1">
               <a:rPr lang="zh-TW" altLang="en-US" smtClean="0"/>
-              <a:t>2020/4/29</a:t>
+              <a:t>2020/4/30</a:t>
             </a:fld>
             <a:endParaRPr lang="zh-TW" altLang="en-US"/>
           </a:p>
@@ -2746,7 +2746,7 @@
           <a:p>
             <a:fld id="{D73A5E4E-6BE3-47DE-81B0-21BF4D929C29}" type="datetime1">
               <a:rPr lang="zh-TW" altLang="en-US" smtClean="0"/>
-              <a:t>2020/4/29</a:t>
+              <a:t>2020/4/30</a:t>
             </a:fld>
             <a:endParaRPr lang="zh-TW" altLang="en-US"/>
           </a:p>
@@ -2851,7 +2851,7 @@
           <a:p>
             <a:fld id="{17F9128B-2E25-493F-A50E-B974EAEEB896}" type="datetime1">
               <a:rPr lang="zh-TW" altLang="en-US" smtClean="0"/>
-              <a:t>2020/4/29</a:t>
+              <a:t>2020/4/30</a:t>
             </a:fld>
             <a:endParaRPr lang="zh-TW" altLang="en-US"/>
           </a:p>
@@ -3292,7 +3292,7 @@
           <a:p>
             <a:fld id="{B1819ED8-9F8A-446A-AE06-A263ECAC0D91}" type="datetime1">
               <a:rPr lang="zh-TW" altLang="en-US" smtClean="0"/>
-              <a:t>2020/4/29</a:t>
+              <a:t>2020/4/30</a:t>
             </a:fld>
             <a:endParaRPr lang="zh-TW" altLang="en-US"/>
           </a:p>
@@ -3719,7 +3719,7 @@
           <a:p>
             <a:fld id="{3A8822FF-988C-40C4-BE9C-19C36D1CA66E}" type="datetime1">
               <a:rPr lang="zh-TW" altLang="en-US" smtClean="0"/>
-              <a:t>2020/4/29</a:t>
+              <a:t>2020/4/30</a:t>
             </a:fld>
             <a:endParaRPr lang="zh-TW" altLang="en-US"/>
           </a:p>
@@ -4004,7 +4004,7 @@
           <a:p>
             <a:fld id="{CE2C6DFB-A933-48F5-9D60-66C954B180E3}" type="datetime1">
               <a:rPr lang="zh-TW" altLang="en-US" smtClean="0"/>
-              <a:t>2020/4/29</a:t>
+              <a:t>2020/4/30</a:t>
             </a:fld>
             <a:endParaRPr lang="zh-TW" altLang="en-US"/>
           </a:p>
@@ -4476,7 +4476,7 @@
   </p:txStyles>
   <p:extLst>
     <p:ext uri="{27BBF7A9-308A-43DC-89C8-2F10F3537804}">
-      <p15:sldGuideLst xmlns:p15="http://schemas.microsoft.com/office/powerpoint/2012/main"/>
+      <p15:sldGuideLst xmlns:p15="http://schemas.microsoft.com/office/powerpoint/2012/main" xmlns=""/>
     </p:ext>
   </p:extLst>
 </p:sldMaster>
@@ -4516,7 +4516,15 @@
           <a:p>
             <a:r>
               <a:rPr lang="zh-TW" altLang="en-US" b="1" dirty="0"/>
-              <a:t>卷積神經網路歷史</a:t>
+              <a:t>卷積</a:t>
+            </a:r>
+            <a:r>
+              <a:rPr lang="zh-TW" altLang="en-US" b="1"/>
+              <a:t>神經</a:t>
+            </a:r>
+            <a:r>
+              <a:rPr lang="zh-TW" altLang="en-US" b="1" smtClean="0"/>
+              <a:t>網路</a:t>
             </a:r>
             <a:endParaRPr lang="zh-TW" altLang="en-US" dirty="0"/>
           </a:p>
@@ -4583,7 +4591,7 @@
           <p:cNvPr id="5" name="文字方塊 4">
             <a:extLst>
               <a:ext uri="{FF2B5EF4-FFF2-40B4-BE49-F238E27FC236}">
-                <a16:creationId xmlns:a16="http://schemas.microsoft.com/office/drawing/2014/main" id="{9B417DC3-5006-489B-99BA-C4B0AC92D46D}"/>
+                <a16:creationId xmlns:a16="http://schemas.microsoft.com/office/drawing/2014/main" xmlns="" id="{9B417DC3-5006-489B-99BA-C4B0AC92D46D}"/>
               </a:ext>
             </a:extLst>
           </p:cNvPr>
@@ -4621,7 +4629,7 @@
           <p:cNvPr id="6" name="文字方塊 5">
             <a:extLst>
               <a:ext uri="{FF2B5EF4-FFF2-40B4-BE49-F238E27FC236}">
-                <a16:creationId xmlns:a16="http://schemas.microsoft.com/office/drawing/2014/main" id="{75B1AA31-7EA8-4B6B-BE23-760056D9B55E}"/>
+                <a16:creationId xmlns:a16="http://schemas.microsoft.com/office/drawing/2014/main" xmlns="" id="{75B1AA31-7EA8-4B6B-BE23-760056D9B55E}"/>
               </a:ext>
             </a:extLst>
           </p:cNvPr>
@@ -7351,7 +7359,6 @@
               <a:rPr lang="zh-TW" altLang="en-US" b="1" dirty="0"/>
               <a:t>網路架構</a:t>
             </a:r>
-            <a:endParaRPr lang="zh-TW" altLang="en-US" b="1" dirty="0"/>
           </a:p>
         </p:txBody>
       </p:sp>
@@ -8523,7 +8530,7 @@
     </a:clrScheme>
     <a:fontScheme name="木刻字型">
       <a:majorFont>
-        <a:latin typeface="Rockwell Condensed" panose="02060603050405020104"/>
+        <a:latin typeface="Rockwell Condensed"/>
         <a:ea typeface=""/>
         <a:cs typeface=""/>
         <a:font script="Grek" typeface="Cambria"/>
@@ -8559,7 +8566,7 @@
         <a:font script="Uigh" typeface="Microsoft Uighur"/>
       </a:majorFont>
       <a:minorFont>
-        <a:latin typeface="Rockwell" panose="02060603020205020403"/>
+        <a:latin typeface="Rockwell"/>
         <a:ea typeface=""/>
         <a:cs typeface=""/>
         <a:font script="Grek" typeface="Cambria"/>
@@ -8703,7 +8710,7 @@
   <a:extraClrSchemeLst/>
   <a:extLst>
     <a:ext uri="{05A4C25C-085E-4340-85A3-A5531E510DB2}">
-      <thm15:themeFamily xmlns:thm15="http://schemas.microsoft.com/office/thememl/2012/main" name="Wood Type" id="{7ACABC62-BF99-48CF-A9DC-4DB89C7B13DC}" vid="{142A1326-48AB-42A9-8428-CB14AA30176D}"/>
+      <thm15:themeFamily xmlns:thm15="http://schemas.microsoft.com/office/thememl/2012/main" xmlns="" name="Wood Type" id="{7ACABC62-BF99-48CF-A9DC-4DB89C7B13DC}" vid="{142A1326-48AB-42A9-8428-CB14AA30176D}"/>
     </a:ext>
   </a:extLst>
 </a:theme>
@@ -8752,7 +8759,7 @@
     </a:clrScheme>
     <a:fontScheme name="Office">
       <a:majorFont>
-        <a:latin typeface="Calibri Light" panose="020F0302020204030204"/>
+        <a:latin typeface="Calibri Light"/>
         <a:ea typeface=""/>
         <a:cs typeface=""/>
         <a:font script="Jpan" typeface="游ゴシック Light"/>
@@ -8787,7 +8794,7 @@
         <a:font script="Geor" typeface="Sylfaen"/>
       </a:majorFont>
       <a:minorFont>
-        <a:latin typeface="Calibri" panose="020F0502020204030204"/>
+        <a:latin typeface="Calibri"/>
         <a:ea typeface=""/>
         <a:cs typeface=""/>
         <a:font script="Jpan" typeface="游ゴシック"/>
@@ -8964,7 +8971,7 @@
   <a:extraClrSchemeLst/>
   <a:extLst>
     <a:ext uri="{05A4C25C-085E-4340-85A3-A5531E510DB2}">
-      <thm15:themeFamily xmlns:thm15="http://schemas.microsoft.com/office/thememl/2012/main" name="Office Theme" id="{62F939B6-93AF-4DB8-9C6B-D6C7DFDC589F}" vid="{4A3C46E8-61CC-4603-A589-7422A47A8E4A}"/>
+      <thm15:themeFamily xmlns:thm15="http://schemas.microsoft.com/office/thememl/2012/main" xmlns="" name="Office Theme" id="{62F939B6-93AF-4DB8-9C6B-D6C7DFDC589F}" vid="{4A3C46E8-61CC-4603-A589-7422A47A8E4A}"/>
     </a:ext>
   </a:extLst>
 </a:theme>
@@ -9013,7 +9020,7 @@
     </a:clrScheme>
     <a:fontScheme name="Office">
       <a:majorFont>
-        <a:latin typeface="Calibri Light" panose="020F0302020204030204"/>
+        <a:latin typeface="Calibri Light"/>
         <a:ea typeface=""/>
         <a:cs typeface=""/>
         <a:font script="Jpan" typeface="游ゴシック Light"/>
@@ -9048,7 +9055,7 @@
         <a:font script="Geor" typeface="Sylfaen"/>
       </a:majorFont>
       <a:minorFont>
-        <a:latin typeface="Calibri" panose="020F0502020204030204"/>
+        <a:latin typeface="Calibri"/>
         <a:ea typeface=""/>
         <a:cs typeface=""/>
         <a:font script="Jpan" typeface="游ゴシック"/>
@@ -9225,7 +9232,7 @@
   <a:extraClrSchemeLst/>
   <a:extLst>
     <a:ext uri="{05A4C25C-085E-4340-85A3-A5531E510DB2}">
-      <thm15:themeFamily xmlns:thm15="http://schemas.microsoft.com/office/thememl/2012/main" name="Office Theme" id="{62F939B6-93AF-4DB8-9C6B-D6C7DFDC589F}" vid="{4A3C46E8-61CC-4603-A589-7422A47A8E4A}"/>
+      <thm15:themeFamily xmlns:thm15="http://schemas.microsoft.com/office/thememl/2012/main" xmlns="" name="Office Theme" id="{62F939B6-93AF-4DB8-9C6B-D6C7DFDC589F}" vid="{4A3C46E8-61CC-4603-A589-7422A47A8E4A}"/>
     </a:ext>
   </a:extLst>
 </a:theme>
